--- a/ML_Kit/Introduction.pptx
+++ b/ML_Kit/Introduction.pptx
@@ -6,10 +6,10 @@
     <p:sldMasterId id="2147483804" r:id="rId5"/>
   </p:sldMasterIdLst>
   <p:notesMasterIdLst>
-    <p:notesMasterId r:id="rId23"/>
+    <p:notesMasterId r:id="rId24"/>
   </p:notesMasterIdLst>
   <p:handoutMasterIdLst>
-    <p:handoutMasterId r:id="rId24"/>
+    <p:handoutMasterId r:id="rId25"/>
   </p:handoutMasterIdLst>
   <p:sldIdLst>
     <p:sldId id="263" r:id="rId6"/>
@@ -29,6 +29,7 @@
     <p:sldId id="310" r:id="rId20"/>
     <p:sldId id="312" r:id="rId21"/>
     <p:sldId id="332" r:id="rId22"/>
+    <p:sldId id="334" r:id="rId23"/>
   </p:sldIdLst>
   <p:sldSz cx="10160000" cy="5715000"/>
   <p:notesSz cx="6858000" cy="9144000"/>
@@ -157,6 +158,7 @@
         <p14:section name="Closing Section" id="{8C0D9BF1-4D38-F44E-B56A-435CB3F079A3}">
           <p14:sldIdLst>
             <p14:sldId id="332"/>
+            <p14:sldId id="334"/>
           </p14:sldIdLst>
         </p14:section>
       </p14:sectionLst>
@@ -275,7 +277,7 @@
           <a:p>
             <a:fld id="{16EFA3C3-E8D6-4416-88B4-678BA54D754C}" type="datetimeFigureOut">
               <a:rPr lang="zh-CN" altLang="en-US" smtClean="0"/>
-              <a:t>2020/9/20</a:t>
+              <a:t>2020/10/6</a:t>
             </a:fld>
             <a:endParaRPr lang="zh-CN" altLang="en-US"/>
           </a:p>
@@ -440,7 +442,7 @@
           <a:p>
             <a:fld id="{8ECC2C2C-A586-9740-B231-E9D27B5EB144}" type="datetimeFigureOut">
               <a:rPr lang="en-US" smtClean="0"/>
-              <a:t>9/20/20</a:t>
+              <a:t>10/6/20</a:t>
             </a:fld>
             <a:endParaRPr lang="en-US"/>
           </a:p>
@@ -2276,7 +2278,7 @@
             <a:fld id="{B61BEF0D-F0BB-DE4B-95CE-6DB70DBA9567}" type="datetimeFigureOut">
               <a:rPr lang="en-US" smtClean="0"/>
               <a:pPr/>
-              <a:t>9/20/20</a:t>
+              <a:t>10/6/20</a:t>
             </a:fld>
             <a:endParaRPr lang="en-US" dirty="0"/>
           </a:p>
@@ -2530,7 +2532,7 @@
             <a:fld id="{B61BEF0D-F0BB-DE4B-95CE-6DB70DBA9567}" type="datetimeFigureOut">
               <a:rPr lang="en-US" smtClean="0"/>
               <a:pPr/>
-              <a:t>9/20/20</a:t>
+              <a:t>10/6/20</a:t>
             </a:fld>
             <a:endParaRPr lang="en-US" dirty="0"/>
           </a:p>
@@ -2874,7 +2876,7 @@
             <a:fld id="{B61BEF0D-F0BB-DE4B-95CE-6DB70DBA9567}" type="datetimeFigureOut">
               <a:rPr lang="en-US" smtClean="0"/>
               <a:pPr/>
-              <a:t>9/20/20</a:t>
+              <a:t>10/6/20</a:t>
             </a:fld>
             <a:endParaRPr lang="en-US" dirty="0"/>
           </a:p>
@@ -3312,7 +3314,7 @@
             <a:fld id="{B61BEF0D-F0BB-DE4B-95CE-6DB70DBA9567}" type="datetimeFigureOut">
               <a:rPr lang="en-US" smtClean="0"/>
               <a:pPr/>
-              <a:t>9/20/20</a:t>
+              <a:t>10/6/20</a:t>
             </a:fld>
             <a:endParaRPr lang="en-US" dirty="0"/>
           </a:p>
@@ -3868,7 +3870,7 @@
             <a:fld id="{B61BEF0D-F0BB-DE4B-95CE-6DB70DBA9567}" type="datetimeFigureOut">
               <a:rPr lang="en-US" smtClean="0"/>
               <a:pPr/>
-              <a:t>9/20/20</a:t>
+              <a:t>10/6/20</a:t>
             </a:fld>
             <a:endParaRPr lang="en-US" dirty="0"/>
           </a:p>
@@ -4124,7 +4126,7 @@
             <a:fld id="{B61BEF0D-F0BB-DE4B-95CE-6DB70DBA9567}" type="datetimeFigureOut">
               <a:rPr lang="en-US" smtClean="0"/>
               <a:pPr/>
-              <a:t>9/20/20</a:t>
+              <a:t>10/6/20</a:t>
             </a:fld>
             <a:endParaRPr lang="en-US" dirty="0"/>
           </a:p>
@@ -4498,7 +4500,7 @@
             <a:fld id="{B61BEF0D-F0BB-DE4B-95CE-6DB70DBA9567}" type="datetimeFigureOut">
               <a:rPr lang="en-US" smtClean="0"/>
               <a:pPr/>
-              <a:t>9/20/20</a:t>
+              <a:t>10/6/20</a:t>
             </a:fld>
             <a:endParaRPr lang="en-US" dirty="0"/>
           </a:p>
@@ -4890,7 +4892,7 @@
             <a:fld id="{D728701E-CAF4-4159-9B3E-41C86DFFA30D}" type="datetimeFigureOut">
               <a:rPr lang="en-US" smtClean="0"/>
               <a:pPr/>
-              <a:t>9/20/20</a:t>
+              <a:t>10/6/20</a:t>
             </a:fld>
             <a:endParaRPr lang="en-US" dirty="0"/>
           </a:p>
@@ -5144,7 +5146,7 @@
             <a:fld id="{D728701E-CAF4-4159-9B3E-41C86DFFA30D}" type="datetimeFigureOut">
               <a:rPr lang="en-US" smtClean="0"/>
               <a:pPr/>
-              <a:t>9/20/20</a:t>
+              <a:t>10/6/20</a:t>
             </a:fld>
             <a:endParaRPr lang="en-US" dirty="0"/>
           </a:p>
@@ -5486,7 +5488,7 @@
             <a:fld id="{D728701E-CAF4-4159-9B3E-41C86DFFA30D}" type="datetimeFigureOut">
               <a:rPr lang="en-US" smtClean="0"/>
               <a:pPr/>
-              <a:t>9/20/20</a:t>
+              <a:t>10/6/20</a:t>
             </a:fld>
             <a:endParaRPr lang="en-US" dirty="0"/>
           </a:p>
@@ -5920,7 +5922,7 @@
             <a:fld id="{D728701E-CAF4-4159-9B3E-41C86DFFA30D}" type="datetimeFigureOut">
               <a:rPr lang="en-US" smtClean="0"/>
               <a:pPr/>
-              <a:t>9/20/20</a:t>
+              <a:t>10/6/20</a:t>
             </a:fld>
             <a:endParaRPr lang="en-US" dirty="0"/>
           </a:p>
@@ -6477,7 +6479,7 @@
             <a:fld id="{D728701E-CAF4-4159-9B3E-41C86DFFA30D}" type="datetimeFigureOut">
               <a:rPr lang="en-US" smtClean="0"/>
               <a:pPr algn="l"/>
-              <a:t>9/20/20</a:t>
+              <a:t>10/6/20</a:t>
             </a:fld>
             <a:endParaRPr lang="en-US"/>
           </a:p>
@@ -6734,7 +6736,7 @@
             <a:fld id="{D728701E-CAF4-4159-9B3E-41C86DFFA30D}" type="datetimeFigureOut">
               <a:rPr lang="en-US" smtClean="0"/>
               <a:pPr/>
-              <a:t>9/20/20</a:t>
+              <a:t>10/6/20</a:t>
             </a:fld>
             <a:endParaRPr lang="en-US" dirty="0"/>
           </a:p>
@@ -7289,7 +7291,7 @@
             <a:fld id="{D728701E-CAF4-4159-9B3E-41C86DFFA30D}" type="datetimeFigureOut">
               <a:rPr lang="en-US" smtClean="0"/>
               <a:pPr/>
-              <a:t>9/20/20</a:t>
+              <a:t>10/6/20</a:t>
             </a:fld>
             <a:endParaRPr lang="en-US"/>
           </a:p>
@@ -7963,7 +7965,7 @@
             <a:fld id="{B61BEF0D-F0BB-DE4B-95CE-6DB70DBA9567}" type="datetimeFigureOut">
               <a:rPr lang="en-US" smtClean="0"/>
               <a:pPr/>
-              <a:t>9/20/20</a:t>
+              <a:t>10/6/20</a:t>
             </a:fld>
             <a:endParaRPr lang="en-US" dirty="0"/>
           </a:p>
@@ -9347,7 +9349,9 @@
         </p:nvSpPr>
         <p:spPr/>
         <p:txBody>
-          <a:bodyPr/>
+          <a:bodyPr>
+            <a:normAutofit lnSpcReduction="10000"/>
+          </a:bodyPr>
           <a:lstStyle/>
           <a:p>
             <a:r>
@@ -9897,7 +9901,7 @@
         <p:spPr/>
         <p:txBody>
           <a:bodyPr>
-            <a:normAutofit lnSpcReduction="10000"/>
+            <a:normAutofit/>
           </a:bodyPr>
           <a:lstStyle/>
           <a:p>
@@ -9905,118 +9909,86 @@
               <a:rPr lang="en" altLang="zh-CN" dirty="0"/>
               <a:t>Explore the ready-to-use APIs: </a:t>
             </a:r>
+          </a:p>
+          <a:p>
+            <a:pPr lvl="1"/>
             <a:r>
               <a:rPr lang="en" altLang="zh-CN" dirty="0">
                 <a:hlinkClick r:id="rId2"/>
               </a:rPr>
               <a:t>text recognition</a:t>
             </a:r>
-            <a:r>
-              <a:rPr lang="en" altLang="zh-CN" dirty="0"/>
-              <a:t>, </a:t>
-            </a:r>
+            <a:endParaRPr lang="en" altLang="zh-CN" dirty="0"/>
+          </a:p>
+          <a:p>
+            <a:pPr lvl="1"/>
             <a:r>
               <a:rPr lang="en" altLang="zh-CN" dirty="0">
                 <a:hlinkClick r:id="rId3"/>
               </a:rPr>
               <a:t>face detection</a:t>
             </a:r>
-            <a:r>
-              <a:rPr lang="en" altLang="zh-CN" dirty="0"/>
-              <a:t>, </a:t>
-            </a:r>
+            <a:endParaRPr lang="en" altLang="zh-CN" dirty="0"/>
+          </a:p>
+          <a:p>
+            <a:pPr lvl="1"/>
             <a:r>
               <a:rPr lang="en" altLang="zh-CN" dirty="0">
                 <a:hlinkClick r:id="rId4"/>
               </a:rPr>
               <a:t>barcode scanning</a:t>
             </a:r>
-            <a:r>
-              <a:rPr lang="en" altLang="zh-CN" dirty="0"/>
-              <a:t>, </a:t>
-            </a:r>
+            <a:endParaRPr lang="en" altLang="zh-CN" dirty="0"/>
+          </a:p>
+          <a:p>
+            <a:pPr lvl="1"/>
             <a:r>
               <a:rPr lang="en" altLang="zh-CN" dirty="0">
                 <a:hlinkClick r:id="rId5"/>
               </a:rPr>
               <a:t>image labeling</a:t>
             </a:r>
-            <a:r>
-              <a:rPr lang="en" altLang="zh-CN" dirty="0"/>
-              <a:t>, </a:t>
-            </a:r>
+            <a:endParaRPr lang="en" altLang="zh-CN" dirty="0"/>
+          </a:p>
+          <a:p>
+            <a:pPr lvl="1"/>
             <a:r>
               <a:rPr lang="en" altLang="zh-CN" dirty="0">
                 <a:hlinkClick r:id="rId6"/>
               </a:rPr>
               <a:t>object detection and tracking</a:t>
             </a:r>
-            <a:r>
-              <a:rPr lang="en" altLang="zh-CN" dirty="0"/>
-              <a:t>, </a:t>
-            </a:r>
+            <a:endParaRPr lang="en" altLang="zh-CN" dirty="0"/>
+          </a:p>
+          <a:p>
+            <a:pPr lvl="1"/>
             <a:r>
               <a:rPr lang="en" altLang="zh-CN" dirty="0">
                 <a:hlinkClick r:id="rId7"/>
               </a:rPr>
               <a:t>smart reply</a:t>
             </a:r>
-            <a:r>
-              <a:rPr lang="en" altLang="zh-CN" dirty="0"/>
-              <a:t>, </a:t>
-            </a:r>
+            <a:endParaRPr lang="en" altLang="zh-CN" dirty="0"/>
+          </a:p>
+          <a:p>
+            <a:pPr lvl="1"/>
             <a:r>
               <a:rPr lang="en" altLang="zh-CN" dirty="0">
                 <a:hlinkClick r:id="rId8"/>
               </a:rPr>
               <a:t>text translation</a:t>
             </a:r>
-            <a:r>
-              <a:rPr lang="en" altLang="zh-CN" dirty="0"/>
-              <a:t>, and </a:t>
-            </a:r>
+            <a:endParaRPr lang="en" altLang="zh-CN" dirty="0"/>
+          </a:p>
+          <a:p>
+            <a:pPr lvl="1"/>
             <a:r>
               <a:rPr lang="en" altLang="zh-CN" dirty="0">
                 <a:hlinkClick r:id="rId9"/>
               </a:rPr>
               <a:t>language identification</a:t>
             </a:r>
-            <a:r>
-              <a:rPr lang="en" altLang="zh-CN" dirty="0"/>
-              <a:t>.</a:t>
-            </a:r>
-          </a:p>
-          <a:p>
-            <a:r>
-              <a:rPr lang="en" altLang="zh-CN" dirty="0"/>
-              <a:t>Learn how to use custom TensorFlow Lite image labeling models in your apps. Read </a:t>
-            </a:r>
-            <a:r>
-              <a:rPr lang="en" altLang="zh-CN" dirty="0">
-                <a:hlinkClick r:id="rId10"/>
-              </a:rPr>
-              <a:t>Custom models with ML Kit</a:t>
-            </a:r>
-            <a:r>
-              <a:rPr lang="en" altLang="zh-CN" dirty="0"/>
-              <a:t>.</a:t>
-            </a:r>
-          </a:p>
-          <a:p>
-            <a:r>
-              <a:rPr lang="en" altLang="zh-CN" dirty="0"/>
-              <a:t>Take a look at our </a:t>
-            </a:r>
-            <a:r>
-              <a:rPr lang="en" altLang="zh-CN" dirty="0">
-                <a:hlinkClick r:id="rId11"/>
-              </a:rPr>
-              <a:t>sample apps and codelabs</a:t>
-            </a:r>
-            <a:r>
-              <a:rPr lang="en" altLang="zh-CN" dirty="0"/>
-              <a:t>. They help you get started with all of the APIs.</a:t>
-            </a:r>
+            <a:endParaRPr lang="en" altLang="zh-CN" dirty="0"/>
           </a:p>
         </p:txBody>
       </p:sp>
@@ -10024,6 +9996,152 @@
     <p:extLst>
       <p:ext uri="{BB962C8B-B14F-4D97-AF65-F5344CB8AC3E}">
         <p14:creationId xmlns:p14="http://schemas.microsoft.com/office/powerpoint/2010/main" val="2158850331"/>
+      </p:ext>
+    </p:extLst>
+  </p:cSld>
+  <p:clrMapOvr>
+    <a:masterClrMapping/>
+  </p:clrMapOvr>
+</p:sld>
+</file>
+
+<file path=ppt/slides/slide18.xml><?xml version="1.0" encoding="utf-8"?>
+<p:sld xmlns:a="http://schemas.openxmlformats.org/drawingml/2006/main" xmlns:r="http://schemas.openxmlformats.org/officeDocument/2006/relationships" xmlns:p="http://schemas.openxmlformats.org/presentationml/2006/main">
+  <p:cSld>
+    <p:spTree>
+      <p:nvGrpSpPr>
+        <p:cNvPr id="1" name=""/>
+        <p:cNvGrpSpPr/>
+        <p:nvPr/>
+      </p:nvGrpSpPr>
+      <p:grpSpPr>
+        <a:xfrm>
+          <a:off x="0" y="0"/>
+          <a:ext cx="0" cy="0"/>
+          <a:chOff x="0" y="0"/>
+          <a:chExt cx="0" cy="0"/>
+        </a:xfrm>
+      </p:grpSpPr>
+      <p:sp>
+        <p:nvSpPr>
+          <p:cNvPr id="2" name="标题 1">
+            <a:extLst>
+              <a:ext uri="{FF2B5EF4-FFF2-40B4-BE49-F238E27FC236}">
+                <a16:creationId xmlns:a16="http://schemas.microsoft.com/office/drawing/2014/main" id="{700FDB42-2183-B049-BF44-C9680E6D08B3}"/>
+              </a:ext>
+            </a:extLst>
+          </p:cNvPr>
+          <p:cNvSpPr>
+            <a:spLocks noGrp="1"/>
+          </p:cNvSpPr>
+          <p:nvPr>
+            <p:ph type="title"/>
+          </p:nvPr>
+        </p:nvSpPr>
+        <p:spPr/>
+        <p:txBody>
+          <a:bodyPr/>
+          <a:lstStyle/>
+          <a:p>
+            <a:r>
+              <a:rPr lang="en" altLang="zh-CN" b="1" dirty="0"/>
+              <a:t>Learn more</a:t>
+            </a:r>
+          </a:p>
+        </p:txBody>
+      </p:sp>
+      <p:sp>
+        <p:nvSpPr>
+          <p:cNvPr id="3" name="内容占位符 2">
+            <a:extLst>
+              <a:ext uri="{FF2B5EF4-FFF2-40B4-BE49-F238E27FC236}">
+                <a16:creationId xmlns:a16="http://schemas.microsoft.com/office/drawing/2014/main" id="{A6041E70-8380-0847-95BC-AA86926F89EA}"/>
+              </a:ext>
+            </a:extLst>
+          </p:cNvPr>
+          <p:cNvSpPr>
+            <a:spLocks noGrp="1"/>
+          </p:cNvSpPr>
+          <p:nvPr>
+            <p:ph idx="1"/>
+          </p:nvPr>
+        </p:nvSpPr>
+        <p:spPr/>
+        <p:txBody>
+          <a:bodyPr>
+            <a:normAutofit/>
+          </a:bodyPr>
+          <a:lstStyle/>
+          <a:p>
+            <a:r>
+              <a:rPr lang="en" altLang="zh-CN" dirty="0"/>
+              <a:t>Learn how to use custom TensorFlow Lite image labeling models in your apps. Read </a:t>
+            </a:r>
+            <a:r>
+              <a:rPr lang="en" altLang="zh-CN" dirty="0">
+                <a:hlinkClick r:id="rId2"/>
+              </a:rPr>
+              <a:t>Custom models with ML Kit</a:t>
+            </a:r>
+            <a:r>
+              <a:rPr lang="en" altLang="zh-CN" dirty="0"/>
+              <a:t>.</a:t>
+            </a:r>
+          </a:p>
+          <a:p>
+            <a:r>
+              <a:rPr lang="en" altLang="zh-CN" dirty="0"/>
+              <a:t>Take a look at our </a:t>
+            </a:r>
+            <a:r>
+              <a:rPr lang="en" altLang="zh-CN" dirty="0">
+                <a:hlinkClick r:id="rId3"/>
+              </a:rPr>
+              <a:t>sample apps and codelabs</a:t>
+            </a:r>
+            <a:r>
+              <a:rPr lang="en" altLang="zh-CN" dirty="0"/>
+              <a:t>. They help you get started with all of the APIs.</a:t>
+            </a:r>
+          </a:p>
+          <a:p>
+            <a:r>
+              <a:rPr lang="en" altLang="zh-CN" b="1" dirty="0"/>
+              <a:t>Join the community</a:t>
+            </a:r>
+          </a:p>
+          <a:p>
+            <a:pPr lvl="1"/>
+            <a:r>
+              <a:rPr lang="en" altLang="zh-CN" dirty="0">
+                <a:hlinkClick r:id="rId4"/>
+              </a:rPr>
+              <a:t>Stack</a:t>
+            </a:r>
+            <a:r>
+              <a:rPr lang="en" altLang="zh-CN" b="1" dirty="0">
+                <a:hlinkClick r:id="rId4"/>
+              </a:rPr>
+              <a:t>overflow</a:t>
+            </a:r>
+            <a:endParaRPr lang="en" altLang="zh-CN" b="1" dirty="0"/>
+          </a:p>
+          <a:p>
+            <a:pPr lvl="1"/>
+            <a:r>
+              <a:rPr lang="en" altLang="zh-CN" b="1" dirty="0">
+                <a:hlinkClick r:id="rId5"/>
+              </a:rPr>
+              <a:t>Github</a:t>
+            </a:r>
+            <a:endParaRPr lang="en" altLang="zh-CN" b="1" dirty="0"/>
+          </a:p>
+        </p:txBody>
+      </p:sp>
+    </p:spTree>
+    <p:extLst>
+      <p:ext uri="{BB962C8B-B14F-4D97-AF65-F5344CB8AC3E}">
+        <p14:creationId xmlns:p14="http://schemas.microsoft.com/office/powerpoint/2010/main" val="1652710582"/>
       </p:ext>
     </p:extLst>
   </p:cSld>
@@ -12243,6 +12361,15 @@
 </file>
 
 <file path=customXml/item1.xml><?xml version="1.0" encoding="utf-8"?>
+<?mso-contentType ?>
+<FormTemplates xmlns="http://schemas.microsoft.com/sharepoint/v3/contenttype/forms">
+  <Display>DocumentLibraryForm</Display>
+  <Edit>DocumentLibraryForm</Edit>
+  <New>DocumentLibraryForm</New>
+</FormTemplates>
+</file>
+
+<file path=customXml/item2.xml><?xml version="1.0" encoding="utf-8"?>
 <ct:contentTypeSchema xmlns:ct="http://schemas.microsoft.com/office/2006/metadata/contentType" xmlns:ma="http://schemas.microsoft.com/office/2006/metadata/properties/metaAttributes" ct:_="" ma:_="" ma:contentTypeName="Document" ma:contentTypeID="0x01010032007F32B4F84B44ACC6DD97D428A504" ma:contentTypeVersion="3" ma:contentTypeDescription="Create a new document." ma:contentTypeScope="" ma:versionID="df1701c683e45b7de10b6f7e2a0548c7">
   <xsd:schema xmlns:xsd="http://www.w3.org/2001/XMLSchema" xmlns:xs="http://www.w3.org/2001/XMLSchema" xmlns:p="http://schemas.microsoft.com/office/2006/metadata/properties" xmlns:ns2="eef61076-61bb-4ba8-9539-3229e0848d9e" targetNamespace="http://schemas.microsoft.com/office/2006/metadata/properties" ma:root="true" ma:fieldsID="cbbdbb27ac8dac2b6f3c91648c2172b0" ns2:_="">
     <xsd:import namespace="eef61076-61bb-4ba8-9539-3229e0848d9e"/>
@@ -12396,15 +12523,6 @@
 </ct:contentTypeSchema>
 </file>
 
-<file path=customXml/item2.xml><?xml version="1.0" encoding="utf-8"?>
-<?mso-contentType ?>
-<FormTemplates xmlns="http://schemas.microsoft.com/sharepoint/v3/contenttype/forms">
-  <Display>DocumentLibraryForm</Display>
-  <Edit>DocumentLibraryForm</Edit>
-  <New>DocumentLibraryForm</New>
-</FormTemplates>
-</file>
-
 <file path=customXml/item3.xml><?xml version="1.0" encoding="utf-8"?>
 <p:properties xmlns:p="http://schemas.microsoft.com/office/2006/metadata/properties" xmlns:xsi="http://www.w3.org/2001/XMLSchema-instance" xmlns:pc="http://schemas.microsoft.com/office/infopath/2007/PartnerControls">
   <documentManagement/>
@@ -12412,6 +12530,14 @@
 </file>
 
 <file path=customXml/itemProps1.xml><?xml version="1.0" encoding="utf-8"?>
+<ds:datastoreItem xmlns:ds="http://schemas.openxmlformats.org/officeDocument/2006/customXml" ds:itemID="{22CBCFDE-8814-4D85-8B11-BF18575B4D6C}">
+  <ds:schemaRefs>
+    <ds:schemaRef ds:uri="http://schemas.microsoft.com/sharepoint/v3/contenttype/forms"/>
+  </ds:schemaRefs>
+</ds:datastoreItem>
+</file>
+
+<file path=customXml/itemProps2.xml><?xml version="1.0" encoding="utf-8"?>
 <ds:datastoreItem xmlns:ds="http://schemas.openxmlformats.org/officeDocument/2006/customXml" ds:itemID="{5A8CBD8A-A3E3-4476-B9EC-9ABD2DED8444}">
   <ds:schemaRefs>
     <ds:schemaRef ds:uri="http://schemas.microsoft.com/office/2006/metadata/contentType"/>
@@ -12425,14 +12551,6 @@
     <ds:schemaRef ds:uri="http://purl.org/dc/elements/1.1/"/>
     <ds:schemaRef ds:uri="http://purl.org/dc/terms/"/>
     <ds:schemaRef ds:uri="http://schemas.microsoft.com/internal/obd"/>
-  </ds:schemaRefs>
-</ds:datastoreItem>
-</file>
-
-<file path=customXml/itemProps2.xml><?xml version="1.0" encoding="utf-8"?>
-<ds:datastoreItem xmlns:ds="http://schemas.openxmlformats.org/officeDocument/2006/customXml" ds:itemID="{22CBCFDE-8814-4D85-8B11-BF18575B4D6C}">
-  <ds:schemaRefs>
-    <ds:schemaRef ds:uri="http://schemas.microsoft.com/sharepoint/v3/contenttype/forms"/>
   </ds:schemaRefs>
 </ds:datastoreItem>
 </file>
